--- a/Apresentacao_IAM-Abel_Rafael_2025.pptx
+++ b/Apresentacao_IAM-Abel_Rafael_2025.pptx
@@ -122,7 +122,7 @@
 <file path=ppt/revisionInfo.xml><?xml version="1.0" encoding="utf-8"?>
 <p1510:revInfo xmlns:a="http://schemas.openxmlformats.org/drawingml/2006/main" xmlns:r="http://schemas.openxmlformats.org/officeDocument/2006/relationships" xmlns:p1510="http://schemas.microsoft.com/office/powerpoint/2015/10/main">
   <p1510:revLst>
-    <p1510:client id="{C4E09174-3847-CACC-22BE-97128FC8E982}" v="387" dt="2025-06-17T15:33:59.790"/>
+    <p1510:client id="{C4E09174-3847-CACC-22BE-97128FC8E982}" v="408" dt="2025-06-17T16:08:21.723"/>
   </p1510:revLst>
 </p1510:revInfo>
 </file>
@@ -3716,48 +3716,40 @@
           <a:lstStyle/>
           <a:p>
             <a:r>
+              <a:rPr lang="pt-BR">
+                <a:ea typeface="+mn-lt"/>
+                <a:cs typeface="+mn-lt"/>
+              </a:rPr>
+              <a:t>Padronização dos dados via StandardScaler;</a:t>
+            </a:r>
+            <a:endParaRPr lang="pt-BR" dirty="0">
+              <a:ea typeface="+mn-lt"/>
+              <a:cs typeface="+mn-lt"/>
+            </a:endParaRPr>
+          </a:p>
+          <a:p>
+            <a:r>
+              <a:rPr lang="pt-BR">
+                <a:ea typeface="+mn-lt"/>
+                <a:cs typeface="+mn-lt"/>
+              </a:rPr>
+              <a:t>Grid Search; (Parametros);</a:t>
+            </a:r>
+          </a:p>
+          <a:p>
+            <a:r>
               <a:rPr lang="pt-BR" dirty="0">
                 <a:ea typeface="+mn-lt"/>
                 <a:cs typeface="+mn-lt"/>
               </a:rPr>
-              <a:t>Grid Search; (</a:t>
-            </a:r>
-            <a:r>
-              <a:rPr lang="pt-BR" dirty="0" err="1">
+              <a:t>Validação cruzada interna (5 </a:t>
+            </a:r>
+            <a:r>
+              <a:rPr lang="pt-BR">
                 <a:ea typeface="+mn-lt"/>
                 <a:cs typeface="+mn-lt"/>
               </a:rPr>
-              <a:t>Parametros</a:t>
-            </a:r>
-            <a:r>
-              <a:rPr lang="pt-BR" dirty="0">
-                <a:ea typeface="+mn-lt"/>
-                <a:cs typeface="+mn-lt"/>
-              </a:rPr>
-              <a:t>)</a:t>
-            </a:r>
-          </a:p>
-          <a:p>
-            <a:r>
-              <a:rPr lang="pt-BR" dirty="0">
-                <a:ea typeface="+mn-lt"/>
-                <a:cs typeface="+mn-lt"/>
-              </a:rPr>
-              <a:t>Validação cruzada interna (5 </a:t>
-            </a:r>
-            <a:r>
-              <a:rPr lang="pt-BR" dirty="0" err="1">
-                <a:ea typeface="+mn-lt"/>
-                <a:cs typeface="+mn-lt"/>
-              </a:rPr>
-              <a:t>folds</a:t>
-            </a:r>
-            <a:r>
-              <a:rPr lang="pt-BR" dirty="0">
-                <a:ea typeface="+mn-lt"/>
-                <a:cs typeface="+mn-lt"/>
-              </a:rPr>
-              <a:t>);</a:t>
+              <a:t>folds interna e externa);</a:t>
             </a:r>
           </a:p>
           <a:p>

--- a/Apresentacao_IAM-Abel_Rafael_2025.pptx
+++ b/Apresentacao_IAM-Abel_Rafael_2025.pptx
@@ -122,6 +122,7 @@
 <file path=ppt/revisionInfo.xml><?xml version="1.0" encoding="utf-8"?>
 <p1510:revInfo xmlns:a="http://schemas.openxmlformats.org/drawingml/2006/main" xmlns:r="http://schemas.openxmlformats.org/officeDocument/2006/relationships" xmlns:p1510="http://schemas.microsoft.com/office/powerpoint/2015/10/main">
   <p1510:revLst>
+    <p1510:client id="{4CD490E5-1E46-52A7-E4DA-5D5E0DEF3659}" v="35" dt="2025-06-18T11:21:36.741"/>
     <p1510:client id="{C4E09174-3847-CACC-22BE-97128FC8E982}" v="408" dt="2025-06-17T16:08:21.723"/>
   </p1510:revLst>
 </p1510:revInfo>
@@ -258,7 +259,7 @@
           <a:p>
             <a:fld id="{F0E51C7C-CEA3-4CAA-BE4B-344879E7C377}" type="datetimeFigureOut">
               <a:rPr lang="de-DE" smtClean="0"/>
-              <a:t>17.06.2025</a:t>
+              <a:t>18.06.2025</a:t>
             </a:fld>
             <a:endParaRPr lang="de-DE"/>
           </a:p>
@@ -428,7 +429,7 @@
           <a:p>
             <a:fld id="{F0E51C7C-CEA3-4CAA-BE4B-344879E7C377}" type="datetimeFigureOut">
               <a:rPr lang="de-DE" smtClean="0"/>
-              <a:t>17.06.2025</a:t>
+              <a:t>18.06.2025</a:t>
             </a:fld>
             <a:endParaRPr lang="de-DE"/>
           </a:p>
@@ -608,7 +609,7 @@
           <a:p>
             <a:fld id="{F0E51C7C-CEA3-4CAA-BE4B-344879E7C377}" type="datetimeFigureOut">
               <a:rPr lang="de-DE" smtClean="0"/>
-              <a:t>17.06.2025</a:t>
+              <a:t>18.06.2025</a:t>
             </a:fld>
             <a:endParaRPr lang="de-DE"/>
           </a:p>
@@ -778,7 +779,7 @@
           <a:p>
             <a:fld id="{F0E51C7C-CEA3-4CAA-BE4B-344879E7C377}" type="datetimeFigureOut">
               <a:rPr lang="de-DE" smtClean="0"/>
-              <a:t>17.06.2025</a:t>
+              <a:t>18.06.2025</a:t>
             </a:fld>
             <a:endParaRPr lang="de-DE"/>
           </a:p>
@@ -1024,7 +1025,7 @@
           <a:p>
             <a:fld id="{F0E51C7C-CEA3-4CAA-BE4B-344879E7C377}" type="datetimeFigureOut">
               <a:rPr lang="de-DE" smtClean="0"/>
-              <a:t>17.06.2025</a:t>
+              <a:t>18.06.2025</a:t>
             </a:fld>
             <a:endParaRPr lang="de-DE"/>
           </a:p>
@@ -1256,7 +1257,7 @@
           <a:p>
             <a:fld id="{F0E51C7C-CEA3-4CAA-BE4B-344879E7C377}" type="datetimeFigureOut">
               <a:rPr lang="de-DE" smtClean="0"/>
-              <a:t>17.06.2025</a:t>
+              <a:t>18.06.2025</a:t>
             </a:fld>
             <a:endParaRPr lang="de-DE"/>
           </a:p>
@@ -1623,7 +1624,7 @@
           <a:p>
             <a:fld id="{F0E51C7C-CEA3-4CAA-BE4B-344879E7C377}" type="datetimeFigureOut">
               <a:rPr lang="de-DE" smtClean="0"/>
-              <a:t>17.06.2025</a:t>
+              <a:t>18.06.2025</a:t>
             </a:fld>
             <a:endParaRPr lang="de-DE"/>
           </a:p>
@@ -1741,7 +1742,7 @@
           <a:p>
             <a:fld id="{F0E51C7C-CEA3-4CAA-BE4B-344879E7C377}" type="datetimeFigureOut">
               <a:rPr lang="de-DE" smtClean="0"/>
-              <a:t>17.06.2025</a:t>
+              <a:t>18.06.2025</a:t>
             </a:fld>
             <a:endParaRPr lang="de-DE"/>
           </a:p>
@@ -1836,7 +1837,7 @@
           <a:p>
             <a:fld id="{F0E51C7C-CEA3-4CAA-BE4B-344879E7C377}" type="datetimeFigureOut">
               <a:rPr lang="de-DE" smtClean="0"/>
-              <a:t>17.06.2025</a:t>
+              <a:t>18.06.2025</a:t>
             </a:fld>
             <a:endParaRPr lang="de-DE"/>
           </a:p>
@@ -2113,7 +2114,7 @@
           <a:p>
             <a:fld id="{F0E51C7C-CEA3-4CAA-BE4B-344879E7C377}" type="datetimeFigureOut">
               <a:rPr lang="de-DE" smtClean="0"/>
-              <a:t>17.06.2025</a:t>
+              <a:t>18.06.2025</a:t>
             </a:fld>
             <a:endParaRPr lang="de-DE"/>
           </a:p>
@@ -2366,7 +2367,7 @@
           <a:p>
             <a:fld id="{F0E51C7C-CEA3-4CAA-BE4B-344879E7C377}" type="datetimeFigureOut">
               <a:rPr lang="de-DE" smtClean="0"/>
-              <a:t>17.06.2025</a:t>
+              <a:t>18.06.2025</a:t>
             </a:fld>
             <a:endParaRPr lang="de-DE"/>
           </a:p>
@@ -2579,7 +2580,7 @@
           <a:p>
             <a:fld id="{F0E51C7C-CEA3-4CAA-BE4B-344879E7C377}" type="datetimeFigureOut">
               <a:rPr lang="de-DE" smtClean="0"/>
-              <a:t>17.06.2025</a:t>
+              <a:t>18.06.2025</a:t>
             </a:fld>
             <a:endParaRPr lang="de-DE"/>
           </a:p>
@@ -4060,8 +4061,10 @@
                 <a:ea typeface="+mn-lt"/>
                 <a:cs typeface="+mn-lt"/>
               </a:rPr>
-              <a:t>Dados de classificação dos clubes obtidos manualmente;</a:t>
-            </a:r>
+              <a:t>Grande influência de fatores externos;</a:t>
+            </a:r>
+          </a:p>
+          <a:p>
             <a:endParaRPr lang="pt-BR" dirty="0"/>
           </a:p>
           <a:p>
